--- a/CaseStudyMobilesshop.pptx
+++ b/CaseStudyMobilesshop.pptx
@@ -14882,15 +14882,6 @@
 </file>
 
 <file path=customXml/item1.xml><?xml version="1.0" encoding="utf-8"?>
-<?mso-contentType ?>
-<FormTemplates xmlns="http://schemas.microsoft.com/sharepoint/v3/contenttype/forms">
-  <Display>DocumentLibraryForm</Display>
-  <Edit>DocumentLibraryForm</Edit>
-  <New>DocumentLibraryForm</New>
-</FormTemplates>
-</file>
-
-<file path=customXml/item2.xml><?xml version="1.0" encoding="utf-8"?>
 <ct:contentTypeSchema xmlns:ct="http://schemas.microsoft.com/office/2006/metadata/contentType" xmlns:ma="http://schemas.microsoft.com/office/2006/metadata/properties/metaAttributes" ct:_="" ma:_="" ma:contentTypeName="Document" ma:contentTypeID="0x01010079F111ED35F8CC479449609E8A0923A6" ma:contentTypeVersion="21" ma:contentTypeDescription="Create a new document." ma:contentTypeScope="" ma:versionID="64dfb1555687e0874b4304b796b5b0c7">
   <xsd:schema xmlns:xsd="http://www.w3.org/2001/XMLSchema" xmlns:xs="http://www.w3.org/2001/XMLSchema" xmlns:p="http://schemas.microsoft.com/office/2006/metadata/properties" xmlns:ns1="http://schemas.microsoft.com/sharepoint/v3" xmlns:ns2="71af3243-3dd4-4a8d-8c0d-dd76da1f02a5" xmlns:ns3="16c05727-aa75-4e4a-9b5f-8a80a1165891" xmlns:ns4="230e9df3-be65-4c73-a93b-d1236ebd677e" targetNamespace="http://schemas.microsoft.com/office/2006/metadata/properties" ma:root="true" ma:fieldsID="e6e4c555b5e194d05b7203de9c4567b3" ns1:_="" ns2:_="" ns3:_="" ns4:_="">
     <xsd:import namespace="http://schemas.microsoft.com/sharepoint/v3"/>
@@ -15172,6 +15163,15 @@
 </ct:contentTypeSchema>
 </file>
 
+<file path=customXml/item2.xml><?xml version="1.0" encoding="utf-8"?>
+<?mso-contentType ?>
+<FormTemplates xmlns="http://schemas.microsoft.com/sharepoint/v3/contenttype/forms">
+  <Display>DocumentLibraryForm</Display>
+  <Edit>DocumentLibraryForm</Edit>
+  <New>DocumentLibraryForm</New>
+</FormTemplates>
+</file>
+
 <file path=customXml/item3.xml><?xml version="1.0" encoding="utf-8"?>
 <p:properties xmlns:p="http://schemas.microsoft.com/office/2006/metadata/properties" xmlns:xsi="http://www.w3.org/2001/XMLSchema-instance" xmlns:pc="http://schemas.microsoft.com/office/infopath/2007/PartnerControls">
   <documentManagement>
@@ -15192,14 +15192,6 @@
 </file>
 
 <file path=customXml/itemProps1.xml><?xml version="1.0" encoding="utf-8"?>
-<ds:datastoreItem xmlns:ds="http://schemas.openxmlformats.org/officeDocument/2006/customXml" ds:itemID="{85334180-0405-413B-834A-44FA9E05ADB7}">
-  <ds:schemaRefs>
-    <ds:schemaRef ds:uri="http://schemas.microsoft.com/sharepoint/v3/contenttype/forms"/>
-  </ds:schemaRefs>
-</ds:datastoreItem>
-</file>
-
-<file path=customXml/itemProps2.xml><?xml version="1.0" encoding="utf-8"?>
 <ds:datastoreItem xmlns:ds="http://schemas.openxmlformats.org/officeDocument/2006/customXml" ds:itemID="{4A615295-94F6-4CE2-A1B1-6B7E1DAA5AD6}">
   <ds:schemaRefs>
     <ds:schemaRef ds:uri="http://schemas.microsoft.com/office/2006/metadata/contentType"/>
@@ -15216,6 +15208,14 @@
     <ds:schemaRef ds:uri="http://purl.org/dc/elements/1.1/"/>
     <ds:schemaRef ds:uri="http://purl.org/dc/terms/"/>
     <ds:schemaRef ds:uri="http://schemas.microsoft.com/internal/obd"/>
+  </ds:schemaRefs>
+</ds:datastoreItem>
+</file>
+
+<file path=customXml/itemProps2.xml><?xml version="1.0" encoding="utf-8"?>
+<ds:datastoreItem xmlns:ds="http://schemas.openxmlformats.org/officeDocument/2006/customXml" ds:itemID="{85334180-0405-413B-834A-44FA9E05ADB7}">
+  <ds:schemaRefs>
+    <ds:schemaRef ds:uri="http://schemas.microsoft.com/sharepoint/v3/contenttype/forms"/>
   </ds:schemaRefs>
 </ds:datastoreItem>
 </file>

--- a/CaseStudyMobilesshop.pptx
+++ b/CaseStudyMobilesshop.pptx
@@ -215,7 +215,7 @@
           <a:p>
             <a:fld id="{7487ADD9-2083-264C-A652-8D52D02F7E72}" type="datetimeFigureOut">
               <a:rPr lang="en-US" smtClean="0"/>
-              <a:t>4/3/2023</a:t>
+              <a:t>4/5/2023</a:t>
             </a:fld>
             <a:endParaRPr lang="en-US"/>
           </a:p>
@@ -1872,7 +1872,7 @@
             <a:fld id="{5F02DCD1-2C6B-F948-9F72-3BB0CF3D512E}" type="datetime1">
               <a:rPr lang="en-US" smtClean="0"/>
               <a:pPr/>
-              <a:t>4/3/2023</a:t>
+              <a:t>4/5/2023</a:t>
             </a:fld>
             <a:endParaRPr lang="en-US"/>
           </a:p>
@@ -2757,7 +2757,7 @@
             <a:fld id="{C1583C39-01BF-7F43-854C-FBB4E9AB6B0C}" type="datetime1">
               <a:rPr lang="en-US" smtClean="0"/>
               <a:pPr/>
-              <a:t>4/3/2023</a:t>
+              <a:t>4/5/2023</a:t>
             </a:fld>
             <a:endParaRPr lang="en-US"/>
           </a:p>
@@ -3934,7 +3934,7 @@
             <a:fld id="{4B103E64-1627-9140-8127-1849FED275E1}" type="datetime1">
               <a:rPr lang="en-US" smtClean="0"/>
               <a:pPr/>
-              <a:t>4/3/2023</a:t>
+              <a:t>4/5/2023</a:t>
             </a:fld>
             <a:endParaRPr lang="en-US"/>
           </a:p>
@@ -6014,7 +6014,7 @@
             <a:fld id="{DD9C8446-696E-6942-B6C8-CC9CAD0B34E0}" type="datetime1">
               <a:rPr lang="en-US" smtClean="0"/>
               <a:pPr/>
-              <a:t>4/3/2023</a:t>
+              <a:t>4/5/2023</a:t>
             </a:fld>
             <a:endParaRPr lang="en-US"/>
           </a:p>
@@ -6732,7 +6732,7 @@
             <a:fld id="{F5592931-05C6-8543-8B6E-A8BD29BD5C2B}" type="datetime1">
               <a:rPr lang="en-US" smtClean="0"/>
               <a:pPr/>
-              <a:t>4/3/2023</a:t>
+              <a:t>4/5/2023</a:t>
             </a:fld>
             <a:endParaRPr lang="en-US"/>
           </a:p>
@@ -7960,7 +7960,7 @@
             <a:fld id="{7E7AB22C-8B7E-9B4A-8C65-396C3C874D86}" type="datetime1">
               <a:rPr lang="en-US" smtClean="0"/>
               <a:pPr/>
-              <a:t>4/3/2023</a:t>
+              <a:t>4/5/2023</a:t>
             </a:fld>
             <a:endParaRPr lang="en-US"/>
           </a:p>
@@ -8552,7 +8552,7 @@
             <a:fld id="{8CE9AC2A-20AD-8C48-B5EB-B5322BDBCDEE}" type="datetime1">
               <a:rPr lang="en-US" smtClean="0"/>
               <a:pPr/>
-              <a:t>4/3/2023</a:t>
+              <a:t>4/5/2023</a:t>
             </a:fld>
             <a:endParaRPr lang="en-US"/>
           </a:p>
@@ -9025,7 +9025,7 @@
             <a:fld id="{4CF75428-5BE0-934D-BB71-675F8E23A386}" type="datetime1">
               <a:rPr lang="en-US" smtClean="0"/>
               <a:pPr/>
-              <a:t>4/3/2023</a:t>
+              <a:t>4/5/2023</a:t>
             </a:fld>
             <a:endParaRPr lang="en-US"/>
           </a:p>
@@ -9871,7 +9871,7 @@
             <a:fld id="{9A85C5CA-AE29-AB4C-8F85-0373C72001D8}" type="datetime1">
               <a:rPr lang="en-US" smtClean="0"/>
               <a:pPr/>
-              <a:t>4/3/2023</a:t>
+              <a:t>4/5/2023</a:t>
             </a:fld>
             <a:endParaRPr lang="en-US"/>
           </a:p>
@@ -12088,7 +12088,7 @@
             <a:fld id="{75594855-01E8-5A4B-B2B8-E2ECEF879100}" type="datetime1">
               <a:rPr lang="en-US" smtClean="0"/>
               <a:pPr/>
-              <a:t>4/3/2023</a:t>
+              <a:t>4/5/2023</a:t>
             </a:fld>
             <a:endParaRPr lang="en-US"/>
           </a:p>
@@ -12357,7 +12357,7 @@
             <a:fld id="{B562DF68-3089-814D-8A14-C651FE91885E}" type="datetime1">
               <a:rPr lang="en-US" smtClean="0"/>
               <a:pPr/>
-              <a:t>4/3/2023</a:t>
+              <a:t>4/5/2023</a:t>
             </a:fld>
             <a:endParaRPr lang="en-US"/>
           </a:p>
@@ -13532,7 +13532,7 @@
                   </a:schemeClr>
                 </a:solidFill>
               </a:rPr>
-              <a:t>JAVASCRIPTS: Array, Function, OPP…</a:t>
+              <a:t>JAVASCRIPT: Array, Function, OPP…</a:t>
             </a:r>
           </a:p>
           <a:p>
@@ -14170,7 +14170,7 @@
         <p:spPr>
           <a:xfrm>
             <a:off x="1155309" y="1087438"/>
-            <a:ext cx="10956589" cy="5016758"/>
+            <a:ext cx="9194120" cy="5016758"/>
           </a:xfrm>
           <a:prstGeom prst="rect">
             <a:avLst/>
@@ -14274,7 +14274,7 @@
                   </a:schemeClr>
                 </a:solidFill>
               </a:rPr>
-              <a:t>Vận dụng được các kiến thức đã học (HTML, CSS, JS, OPP)</a:t>
+              <a:t>Vận dụng được các kiến thức đã học </a:t>
             </a:r>
           </a:p>
           <a:p>
@@ -14882,6 +14882,15 @@
 </file>
 
 <file path=customXml/item1.xml><?xml version="1.0" encoding="utf-8"?>
+<?mso-contentType ?>
+<FormTemplates xmlns="http://schemas.microsoft.com/sharepoint/v3/contenttype/forms">
+  <Display>DocumentLibraryForm</Display>
+  <Edit>DocumentLibraryForm</Edit>
+  <New>DocumentLibraryForm</New>
+</FormTemplates>
+</file>
+
+<file path=customXml/item2.xml><?xml version="1.0" encoding="utf-8"?>
 <ct:contentTypeSchema xmlns:ct="http://schemas.microsoft.com/office/2006/metadata/contentType" xmlns:ma="http://schemas.microsoft.com/office/2006/metadata/properties/metaAttributes" ct:_="" ma:_="" ma:contentTypeName="Document" ma:contentTypeID="0x01010079F111ED35F8CC479449609E8A0923A6" ma:contentTypeVersion="21" ma:contentTypeDescription="Create a new document." ma:contentTypeScope="" ma:versionID="64dfb1555687e0874b4304b796b5b0c7">
   <xsd:schema xmlns:xsd="http://www.w3.org/2001/XMLSchema" xmlns:xs="http://www.w3.org/2001/XMLSchema" xmlns:p="http://schemas.microsoft.com/office/2006/metadata/properties" xmlns:ns1="http://schemas.microsoft.com/sharepoint/v3" xmlns:ns2="71af3243-3dd4-4a8d-8c0d-dd76da1f02a5" xmlns:ns3="16c05727-aa75-4e4a-9b5f-8a80a1165891" xmlns:ns4="230e9df3-be65-4c73-a93b-d1236ebd677e" targetNamespace="http://schemas.microsoft.com/office/2006/metadata/properties" ma:root="true" ma:fieldsID="e6e4c555b5e194d05b7203de9c4567b3" ns1:_="" ns2:_="" ns3:_="" ns4:_="">
     <xsd:import namespace="http://schemas.microsoft.com/sharepoint/v3"/>
@@ -15163,15 +15172,6 @@
 </ct:contentTypeSchema>
 </file>
 
-<file path=customXml/item2.xml><?xml version="1.0" encoding="utf-8"?>
-<?mso-contentType ?>
-<FormTemplates xmlns="http://schemas.microsoft.com/sharepoint/v3/contenttype/forms">
-  <Display>DocumentLibraryForm</Display>
-  <Edit>DocumentLibraryForm</Edit>
-  <New>DocumentLibraryForm</New>
-</FormTemplates>
-</file>
-
 <file path=customXml/item3.xml><?xml version="1.0" encoding="utf-8"?>
 <p:properties xmlns:p="http://schemas.microsoft.com/office/2006/metadata/properties" xmlns:xsi="http://www.w3.org/2001/XMLSchema-instance" xmlns:pc="http://schemas.microsoft.com/office/infopath/2007/PartnerControls">
   <documentManagement>
@@ -15192,6 +15192,14 @@
 </file>
 
 <file path=customXml/itemProps1.xml><?xml version="1.0" encoding="utf-8"?>
+<ds:datastoreItem xmlns:ds="http://schemas.openxmlformats.org/officeDocument/2006/customXml" ds:itemID="{85334180-0405-413B-834A-44FA9E05ADB7}">
+  <ds:schemaRefs>
+    <ds:schemaRef ds:uri="http://schemas.microsoft.com/sharepoint/v3/contenttype/forms"/>
+  </ds:schemaRefs>
+</ds:datastoreItem>
+</file>
+
+<file path=customXml/itemProps2.xml><?xml version="1.0" encoding="utf-8"?>
 <ds:datastoreItem xmlns:ds="http://schemas.openxmlformats.org/officeDocument/2006/customXml" ds:itemID="{4A615295-94F6-4CE2-A1B1-6B7E1DAA5AD6}">
   <ds:schemaRefs>
     <ds:schemaRef ds:uri="http://schemas.microsoft.com/office/2006/metadata/contentType"/>
@@ -15208,14 +15216,6 @@
     <ds:schemaRef ds:uri="http://purl.org/dc/elements/1.1/"/>
     <ds:schemaRef ds:uri="http://purl.org/dc/terms/"/>
     <ds:schemaRef ds:uri="http://schemas.microsoft.com/internal/obd"/>
-  </ds:schemaRefs>
-</ds:datastoreItem>
-</file>
-
-<file path=customXml/itemProps2.xml><?xml version="1.0" encoding="utf-8"?>
-<ds:datastoreItem xmlns:ds="http://schemas.openxmlformats.org/officeDocument/2006/customXml" ds:itemID="{85334180-0405-413B-834A-44FA9E05ADB7}">
-  <ds:schemaRefs>
-    <ds:schemaRef ds:uri="http://schemas.microsoft.com/sharepoint/v3/contenttype/forms"/>
   </ds:schemaRefs>
 </ds:datastoreItem>
 </file>
